--- a/проект по вебу презентация.pptx
+++ b/проект по вебу презентация.pptx
@@ -297,7 +297,7 @@
           <a:p>
             <a:fld id="{5C6CE77D-3957-CC42-A883-475125FE0D35}" type="datetimeFigureOut">
               <a:rPr lang="ru-RU" smtClean="0"/>
-              <a:t>22.06.21</a:t>
+              <a:t>23.06.21</a:t>
             </a:fld>
             <a:endParaRPr lang="ru-RU"/>
           </a:p>
@@ -467,7 +467,7 @@
           <a:p>
             <a:fld id="{5C6CE77D-3957-CC42-A883-475125FE0D35}" type="datetimeFigureOut">
               <a:rPr lang="ru-RU" smtClean="0"/>
-              <a:t>22.06.21</a:t>
+              <a:t>23.06.21</a:t>
             </a:fld>
             <a:endParaRPr lang="ru-RU"/>
           </a:p>
@@ -647,7 +647,7 @@
           <a:p>
             <a:fld id="{5C6CE77D-3957-CC42-A883-475125FE0D35}" type="datetimeFigureOut">
               <a:rPr lang="ru-RU" smtClean="0"/>
-              <a:t>22.06.21</a:t>
+              <a:t>23.06.21</a:t>
             </a:fld>
             <a:endParaRPr lang="ru-RU"/>
           </a:p>
@@ -817,7 +817,7 @@
           <a:p>
             <a:fld id="{5C6CE77D-3957-CC42-A883-475125FE0D35}" type="datetimeFigureOut">
               <a:rPr lang="ru-RU" smtClean="0"/>
-              <a:t>22.06.21</a:t>
+              <a:t>23.06.21</a:t>
             </a:fld>
             <a:endParaRPr lang="ru-RU"/>
           </a:p>
@@ -1063,7 +1063,7 @@
           <a:p>
             <a:fld id="{5C6CE77D-3957-CC42-A883-475125FE0D35}" type="datetimeFigureOut">
               <a:rPr lang="ru-RU" smtClean="0"/>
-              <a:t>22.06.21</a:t>
+              <a:t>23.06.21</a:t>
             </a:fld>
             <a:endParaRPr lang="ru-RU"/>
           </a:p>
@@ -1351,7 +1351,7 @@
           <a:p>
             <a:fld id="{5C6CE77D-3957-CC42-A883-475125FE0D35}" type="datetimeFigureOut">
               <a:rPr lang="ru-RU" smtClean="0"/>
-              <a:t>22.06.21</a:t>
+              <a:t>23.06.21</a:t>
             </a:fld>
             <a:endParaRPr lang="ru-RU"/>
           </a:p>
@@ -1773,7 +1773,7 @@
           <a:p>
             <a:fld id="{5C6CE77D-3957-CC42-A883-475125FE0D35}" type="datetimeFigureOut">
               <a:rPr lang="ru-RU" smtClean="0"/>
-              <a:t>22.06.21</a:t>
+              <a:t>23.06.21</a:t>
             </a:fld>
             <a:endParaRPr lang="ru-RU"/>
           </a:p>
@@ -1891,7 +1891,7 @@
           <a:p>
             <a:fld id="{5C6CE77D-3957-CC42-A883-475125FE0D35}" type="datetimeFigureOut">
               <a:rPr lang="ru-RU" smtClean="0"/>
-              <a:t>22.06.21</a:t>
+              <a:t>23.06.21</a:t>
             </a:fld>
             <a:endParaRPr lang="ru-RU"/>
           </a:p>
@@ -1986,7 +1986,7 @@
           <a:p>
             <a:fld id="{5C6CE77D-3957-CC42-A883-475125FE0D35}" type="datetimeFigureOut">
               <a:rPr lang="ru-RU" smtClean="0"/>
-              <a:t>22.06.21</a:t>
+              <a:t>23.06.21</a:t>
             </a:fld>
             <a:endParaRPr lang="ru-RU"/>
           </a:p>
@@ -2263,7 +2263,7 @@
           <a:p>
             <a:fld id="{5C6CE77D-3957-CC42-A883-475125FE0D35}" type="datetimeFigureOut">
               <a:rPr lang="ru-RU" smtClean="0"/>
-              <a:t>22.06.21</a:t>
+              <a:t>23.06.21</a:t>
             </a:fld>
             <a:endParaRPr lang="ru-RU"/>
           </a:p>
@@ -2516,7 +2516,7 @@
           <a:p>
             <a:fld id="{5C6CE77D-3957-CC42-A883-475125FE0D35}" type="datetimeFigureOut">
               <a:rPr lang="ru-RU" smtClean="0"/>
-              <a:t>22.06.21</a:t>
+              <a:t>23.06.21</a:t>
             </a:fld>
             <a:endParaRPr lang="ru-RU"/>
           </a:p>
@@ -2729,7 +2729,7 @@
           <a:p>
             <a:fld id="{5C6CE77D-3957-CC42-A883-475125FE0D35}" type="datetimeFigureOut">
               <a:rPr lang="ru-RU" smtClean="0"/>
-              <a:t>22.06.21</a:t>
+              <a:t>23.06.21</a:t>
             </a:fld>
             <a:endParaRPr lang="ru-RU"/>
           </a:p>
@@ -3137,12 +3137,107 @@
             <p:ph type="subTitle" idx="1"/>
           </p:nvPr>
         </p:nvSpPr>
-        <p:spPr/>
-        <p:txBody>
-          <a:bodyPr/>
-          <a:lstStyle/>
-          <a:p>
-            <a:endParaRPr lang="ru-RU"/>
+        <p:spPr>
+          <a:xfrm>
+            <a:off x="1371600" y="3886200"/>
+            <a:ext cx="6400800" cy="2220898"/>
+          </a:xfrm>
+        </p:spPr>
+        <p:txBody>
+          <a:bodyPr>
+            <a:normAutofit/>
+          </a:bodyPr>
+          <a:lstStyle/>
+          <a:p>
+            <a:r>
+              <a:rPr lang="ru-RU" sz="1600" dirty="0" smtClean="0">
+                <a:solidFill>
+                  <a:srgbClr val="000000"/>
+                </a:solidFill>
+              </a:rPr>
+              <a:t>Состав команды </a:t>
+            </a:r>
+            <a:r>
+              <a:rPr lang="en-US" sz="1600" dirty="0" smtClean="0">
+                <a:solidFill>
+                  <a:srgbClr val="000000"/>
+                </a:solidFill>
+              </a:rPr>
+              <a:t>:</a:t>
+            </a:r>
+          </a:p>
+          <a:p>
+            <a:r>
+              <a:rPr lang="ru-RU" sz="1600" dirty="0" smtClean="0">
+                <a:solidFill>
+                  <a:srgbClr val="000000"/>
+                </a:solidFill>
+              </a:rPr>
+              <a:t>Олейник Владислав</a:t>
+            </a:r>
+          </a:p>
+          <a:p>
+            <a:r>
+              <a:rPr lang="ru-RU" sz="1600" dirty="0" err="1" smtClean="0">
+                <a:solidFill>
+                  <a:srgbClr val="000000"/>
+                </a:solidFill>
+              </a:rPr>
+              <a:t>Александренко</a:t>
+            </a:r>
+            <a:r>
+              <a:rPr lang="ru-RU" sz="1600" dirty="0" smtClean="0">
+                <a:solidFill>
+                  <a:srgbClr val="000000"/>
+                </a:solidFill>
+              </a:rPr>
+              <a:t> Владимир</a:t>
+            </a:r>
+          </a:p>
+          <a:p>
+            <a:r>
+              <a:rPr lang="ru-RU" sz="1600" dirty="0" smtClean="0">
+                <a:solidFill>
+                  <a:srgbClr val="000000"/>
+                </a:solidFill>
+              </a:rPr>
+              <a:t>Ткаченко Егор</a:t>
+            </a:r>
+          </a:p>
+          <a:p>
+            <a:r>
+              <a:rPr lang="ru-RU" sz="1600" dirty="0" smtClean="0">
+                <a:solidFill>
+                  <a:srgbClr val="000000"/>
+                </a:solidFill>
+              </a:rPr>
+              <a:t>Пограничный Кирилл</a:t>
+            </a:r>
+          </a:p>
+          <a:p>
+            <a:r>
+              <a:rPr lang="ru-RU" sz="1600" dirty="0" smtClean="0">
+                <a:solidFill>
+                  <a:srgbClr val="000000"/>
+                </a:solidFill>
+              </a:rPr>
+              <a:t>Смирнов Сергей</a:t>
+            </a:r>
+          </a:p>
+          <a:p>
+            <a:r>
+              <a:rPr lang="ru-RU" sz="1600" dirty="0" smtClean="0">
+                <a:solidFill>
+                  <a:srgbClr val="000000"/>
+                </a:solidFill>
+              </a:rPr>
+              <a:t>Семенов Сергей</a:t>
+            </a:r>
+            <a:endParaRPr lang="ru-RU" sz="1600" dirty="0">
+              <a:solidFill>
+                <a:srgbClr val="000000"/>
+              </a:solidFill>
+            </a:endParaRPr>
           </a:p>
         </p:txBody>
       </p:sp>
@@ -3261,11 +3356,7 @@
           <a:p>
             <a:r>
               <a:rPr lang="ru-RU" dirty="0" smtClean="0"/>
-              <a:t>Основная идея</a:t>
-            </a:r>
-            <a:r>
-              <a:rPr lang="en-US" dirty="0" smtClean="0"/>
-              <a:t>:</a:t>
+              <a:t>Постановка проблемы</a:t>
             </a:r>
             <a:endParaRPr lang="ru-RU" dirty="0"/>
           </a:p>
@@ -3283,26 +3374,23 @@
         </p:nvSpPr>
         <p:spPr/>
         <p:txBody>
-          <a:bodyPr/>
-          <a:lstStyle/>
-          <a:p>
-            <a:r>
-              <a:rPr lang="ru-RU" dirty="0" smtClean="0"/>
-              <a:t>Создать простую и удобную социальную сеть </a:t>
-            </a:r>
-            <a:r>
-              <a:rPr lang="en-US" dirty="0" smtClean="0"/>
-              <a:t>, </a:t>
-            </a:r>
-            <a:r>
-              <a:rPr lang="ru-RU" dirty="0" smtClean="0"/>
-              <a:t>для быстрого обмена мнениями среди пользователей</a:t>
-            </a:r>
-            <a:r>
-              <a:rPr lang="en-US" dirty="0" smtClean="0"/>
-              <a:t>.</a:t>
-            </a:r>
-            <a:endParaRPr lang="ru-RU" dirty="0"/>
+          <a:bodyPr>
+            <a:normAutofit/>
+          </a:bodyPr>
+          <a:lstStyle/>
+          <a:p>
+            <a:pPr marL="0" indent="0">
+              <a:buNone/>
+            </a:pPr>
+            <a:r>
+              <a:rPr lang="ru-RU" sz="2400" dirty="0" smtClean="0"/>
+              <a:t>	</a:t>
+            </a:r>
+            <a:r>
+              <a:rPr lang="en-US" sz="2400" dirty="0"/>
+              <a:t>	</a:t>
+            </a:r>
+            <a:endParaRPr lang="ru-RU" sz="2400" dirty="0"/>
           </a:p>
         </p:txBody>
       </p:sp>
@@ -3349,13 +3437,13 @@
         <p:spPr/>
         <p:txBody>
           <a:bodyPr>
-            <a:normAutofit fontScale="90000"/>
+            <a:normAutofit/>
           </a:bodyPr>
           <a:lstStyle/>
           <a:p>
             <a:r>
               <a:rPr lang="ru-RU" dirty="0" smtClean="0"/>
-              <a:t>Преимущества перед конкурентами</a:t>
+              <a:t>Цель</a:t>
             </a:r>
             <a:endParaRPr lang="ru-RU" dirty="0"/>
           </a:p>
@@ -3373,10 +3461,95 @@
         </p:nvSpPr>
         <p:spPr/>
         <p:txBody>
-          <a:bodyPr/>
-          <a:lstStyle/>
-          <a:p>
-            <a:endParaRPr lang="ru-RU" dirty="0"/>
+          <a:bodyPr>
+            <a:normAutofit/>
+          </a:bodyPr>
+          <a:lstStyle/>
+          <a:p>
+            <a:r>
+              <a:rPr lang="ru-RU" sz="2400" dirty="0" smtClean="0"/>
+              <a:t>Создать простую и удобную в обращении </a:t>
+            </a:r>
+            <a:r>
+              <a:rPr lang="ru-RU" sz="2400" dirty="0" err="1" smtClean="0"/>
+              <a:t>соцсеть</a:t>
+            </a:r>
+            <a:r>
+              <a:rPr lang="ru-RU" sz="2400" dirty="0" smtClean="0"/>
+              <a:t> </a:t>
+            </a:r>
+            <a:r>
+              <a:rPr lang="en-US" sz="2400" dirty="0" smtClean="0"/>
+              <a:t>, </a:t>
+            </a:r>
+            <a:r>
+              <a:rPr lang="ru-RU" sz="2400" dirty="0" smtClean="0"/>
+              <a:t>для</a:t>
+            </a:r>
+            <a:r>
+              <a:rPr lang="en-US" sz="2400" dirty="0" smtClean="0"/>
+              <a:t> </a:t>
+            </a:r>
+            <a:r>
+              <a:rPr lang="ru-RU" sz="2400" dirty="0" smtClean="0"/>
+              <a:t>обмена информацией между локальными группами пользователей</a:t>
+            </a:r>
+            <a:r>
+              <a:rPr lang="en-US" sz="2400" dirty="0" smtClean="0"/>
+              <a:t>.</a:t>
+            </a:r>
+          </a:p>
+          <a:p>
+            <a:r>
+              <a:rPr lang="ru-RU" sz="2400" dirty="0" smtClean="0"/>
+              <a:t>Задачи</a:t>
+            </a:r>
+            <a:r>
+              <a:rPr lang="en-US" sz="2400" dirty="0" smtClean="0"/>
+              <a:t> : </a:t>
+            </a:r>
+            <a:endParaRPr lang="ru-RU" sz="2400" dirty="0"/>
+          </a:p>
+          <a:p>
+            <a:pPr lvl="1"/>
+            <a:r>
+              <a:rPr lang="ru-RU" sz="2000" dirty="0" smtClean="0"/>
+              <a:t>Реализовать удобный обмен информацией между пользователями</a:t>
+            </a:r>
+            <a:r>
+              <a:rPr lang="en-US" sz="2000" dirty="0" smtClean="0"/>
+              <a:t>.</a:t>
+            </a:r>
+          </a:p>
+          <a:p>
+            <a:pPr lvl="1"/>
+            <a:r>
+              <a:rPr lang="ru-RU" sz="2000" dirty="0" smtClean="0"/>
+              <a:t>Добавление возможности пользовател</a:t>
+            </a:r>
+            <a:r>
+              <a:rPr lang="ru-RU" sz="2000" dirty="0" smtClean="0"/>
+              <a:t>я отслеживать интересующие его аккаунты</a:t>
+            </a:r>
+            <a:r>
+              <a:rPr lang="en-US" sz="2000" dirty="0" smtClean="0"/>
+              <a:t>.</a:t>
+            </a:r>
+          </a:p>
+          <a:p>
+            <a:pPr lvl="1"/>
+            <a:r>
+              <a:rPr lang="ru-RU" sz="2000" dirty="0" smtClean="0"/>
+              <a:t>Добавление возможности пользователей оставлять свое мнение на публикациях </a:t>
+            </a:r>
+            <a:r>
+              <a:rPr lang="en-US" sz="2000" smtClean="0"/>
+              <a:t>.</a:t>
+            </a:r>
+          </a:p>
+          <a:p>
+            <a:pPr lvl="1"/>
+            <a:endParaRPr lang="ru-RU" sz="2000" dirty="0"/>
           </a:p>
         </p:txBody>
       </p:sp>
